--- a/小组作业/第五段.pptx
+++ b/小组作业/第五段.pptx
@@ -14,8 +14,8 @@
     <p:sldId id="256" r:id="rId5"/>
     <p:sldId id="257" r:id="rId6"/>
     <p:sldId id="259" r:id="rId7"/>
-    <p:sldId id="261" r:id="rId8"/>
-    <p:sldId id="258" r:id="rId9"/>
+    <p:sldId id="258" r:id="rId8"/>
+    <p:sldId id="265" r:id="rId9"/>
     <p:sldId id="264" r:id="rId10"/>
   </p:sldIdLst>
   <p:sldSz cx="12192000" cy="6858000"/>
@@ -226,7 +226,7 @@
                 <a:latin typeface="Microsoft YaHei UI" panose="020B0503020204020204" pitchFamily="34" charset="-122"/>
                 <a:ea typeface="Microsoft YaHei UI" panose="020B0503020204020204" pitchFamily="34" charset="-122"/>
               </a:rPr>
-              <a:t>2024/3/24</a:t>
+              <a:t>2024/3/25</a:t>
             </a:fld>
             <a:endParaRPr lang="zh-CN" altLang="en-US" noProof="1">
               <a:latin typeface="Microsoft YaHei UI" panose="020B0503020204020204" pitchFamily="34" charset="-122"/>
@@ -422,7 +422,7 @@
           <a:p>
             <a:fld id="{E7E3ED76-AEB5-4945-96E2-933771AE8CF3}" type="datetime1">
               <a:rPr lang="zh-CN" altLang="en-US" noProof="1" smtClean="0"/>
-              <a:t>2024/3/24</a:t>
+              <a:t>2024/3/25</a:t>
             </a:fld>
             <a:endParaRPr lang="zh-CN" altLang="en-US" noProof="1"/>
           </a:p>
@@ -1023,7 +1023,7 @@
     </p:spTree>
     <p:extLst>
       <p:ext uri="{BB962C8B-B14F-4D97-AF65-F5344CB8AC3E}">
-        <p14:creationId xmlns:p14="http://schemas.microsoft.com/office/powerpoint/2010/main" val="3095544318"/>
+        <p14:creationId xmlns:p14="http://schemas.microsoft.com/office/powerpoint/2010/main" val="1832149267"/>
       </p:ext>
     </p:extLst>
   </p:cSld>
@@ -1107,7 +1107,7 @@
     </p:spTree>
     <p:extLst>
       <p:ext uri="{BB962C8B-B14F-4D97-AF65-F5344CB8AC3E}">
-        <p14:creationId xmlns:p14="http://schemas.microsoft.com/office/powerpoint/2010/main" val="1832149267"/>
+        <p14:creationId xmlns:p14="http://schemas.microsoft.com/office/powerpoint/2010/main" val="2612464858"/>
       </p:ext>
     </p:extLst>
   </p:cSld>
@@ -1623,7 +1623,7 @@
           <a:p>
             <a:fld id="{9D4CFE85-5260-4293-83AB-FC8FAA870131}" type="datetime1">
               <a:rPr lang="zh-CN" altLang="en-US" noProof="1" smtClean="0"/>
-              <a:t>2024/3/24</a:t>
+              <a:t>2024/3/25</a:t>
             </a:fld>
             <a:endParaRPr lang="zh-CN" altLang="en-US" noProof="1"/>
           </a:p>
@@ -1873,7 +1873,7 @@
           <a:p>
             <a:fld id="{EFCB2448-731F-4704-B35C-DE7CE92BF30D}" type="datetime1">
               <a:rPr lang="zh-CN" altLang="en-US" noProof="1" smtClean="0"/>
-              <a:t>2024/3/24</a:t>
+              <a:t>2024/3/25</a:t>
             </a:fld>
             <a:endParaRPr lang="zh-CN" altLang="en-US" noProof="1"/>
           </a:p>
@@ -2279,7 +2279,7 @@
           <a:p>
             <a:fld id="{9A177B3B-97BC-491E-80B7-9C67312DD347}" type="datetime1">
               <a:rPr lang="zh-CN" altLang="en-US" noProof="1" smtClean="0"/>
-              <a:t>2024/3/24</a:t>
+              <a:t>2024/3/25</a:t>
             </a:fld>
             <a:endParaRPr lang="zh-CN" altLang="en-US" noProof="1"/>
           </a:p>
@@ -2665,7 +2665,7 @@
           <a:p>
             <a:fld id="{8195921D-A0F7-4D3E-B362-9A35949C56E2}" type="datetime1">
               <a:rPr lang="zh-CN" altLang="en-US" noProof="1" smtClean="0"/>
-              <a:t>2024/3/24</a:t>
+              <a:t>2024/3/25</a:t>
             </a:fld>
             <a:endParaRPr lang="zh-CN" altLang="en-US" noProof="1"/>
           </a:p>
@@ -4258,7 +4258,7 @@
           <a:p>
             <a:fld id="{3741D03A-D553-4A15-97A7-180165795319}" type="datetime1">
               <a:rPr lang="zh-CN" altLang="en-US" noProof="1" smtClean="0"/>
-              <a:t>2024/3/24</a:t>
+              <a:t>2024/3/25</a:t>
             </a:fld>
             <a:endParaRPr lang="zh-CN" altLang="en-US" noProof="1"/>
           </a:p>
@@ -4390,7 +4390,7 @@
           <a:p>
             <a:fld id="{C089625D-E0D5-4BBE-A877-130F084B619A}" type="datetime1">
               <a:rPr lang="zh-CN" altLang="en-US" noProof="1" smtClean="0"/>
-              <a:t>2024/3/24</a:t>
+              <a:t>2024/3/25</a:t>
             </a:fld>
             <a:endParaRPr lang="zh-CN" altLang="en-US" noProof="1"/>
           </a:p>
@@ -4640,7 +4640,7 @@
           <a:p>
             <a:fld id="{5CB3A3A0-A8F6-4642-8A1E-864EC5492550}" type="datetime1">
               <a:rPr lang="zh-CN" altLang="en-US" noProof="1" smtClean="0"/>
-              <a:t>2024/3/24</a:t>
+              <a:t>2024/3/25</a:t>
             </a:fld>
             <a:endParaRPr lang="zh-CN" altLang="en-US" noProof="1"/>
           </a:p>
@@ -5051,7 +5051,7 @@
           <a:p>
             <a:fld id="{AE4AE567-850C-45A9-AF93-A2145D284F2A}" type="datetime1">
               <a:rPr lang="zh-CN" altLang="en-US" noProof="1" smtClean="0"/>
-              <a:t>2024/3/24</a:t>
+              <a:t>2024/3/25</a:t>
             </a:fld>
             <a:endParaRPr lang="zh-CN" altLang="en-US" noProof="1"/>
           </a:p>
@@ -5789,7 +5789,7 @@
             </a:r>
             <a:r>
               <a:rPr lang="en-US" altLang="zh-CN" sz="2400" noProof="1"/>
-              <a:t> at how closely related the words seemed - how moist could be the root of </a:t>
+              <a:t> at how closely related the words seemed - how </a:t>
             </a:r>
             <a:r>
               <a:rPr lang="en-US" altLang="zh-CN" sz="2400" noProof="1">
@@ -5799,13 +5799,19 @@
                     <a:lumOff val="40000"/>
                   </a:schemeClr>
                 </a:solidFill>
-                <a:hlinkClick r:id="rId7"/>
+                <a:hlinkClick r:id="rId7">
+                  <a:extLst>
+                    <a:ext uri="{A12FA001-AC4F-418D-AE19-62706E023703}">
+                      <ahyp:hlinkClr xmlns:ahyp="http://schemas.microsoft.com/office/drawing/2018/hyperlinkcolor" val="tx"/>
+                    </a:ext>
+                  </a:extLst>
+                </a:hlinkClick>
               </a:rPr>
-              <a:t>moisture</a:t>
+              <a:t>moist</a:t>
             </a:r>
             <a:r>
               <a:rPr lang="en-US" altLang="zh-CN" sz="2400" noProof="1"/>
-              <a:t>, and how </a:t>
+              <a:t> could be the root of </a:t>
             </a:r>
             <a:r>
               <a:rPr lang="en-US" altLang="zh-CN" sz="2400" noProof="1">
@@ -5817,11 +5823,11 @@
                 </a:solidFill>
                 <a:hlinkClick r:id="rId8"/>
               </a:rPr>
-              <a:t>advisable</a:t>
+              <a:t>moisture</a:t>
             </a:r>
             <a:r>
               <a:rPr lang="en-US" altLang="zh-CN" sz="2400" noProof="1"/>
-              <a:t> and </a:t>
+              <a:t>, and how </a:t>
             </a:r>
             <a:r>
               <a:rPr lang="en-US" altLang="zh-CN" sz="2400" noProof="1">
@@ -5832,6 +5838,22 @@
                   </a:schemeClr>
                 </a:solidFill>
                 <a:hlinkClick r:id="rId9"/>
+              </a:rPr>
+              <a:t>advisable</a:t>
+            </a:r>
+            <a:r>
+              <a:rPr lang="en-US" altLang="zh-CN" sz="2400" noProof="1"/>
+              <a:t> and </a:t>
+            </a:r>
+            <a:r>
+              <a:rPr lang="en-US" altLang="zh-CN" sz="2400" noProof="1">
+                <a:solidFill>
+                  <a:schemeClr val="accent1">
+                    <a:lumMod val="60000"/>
+                    <a:lumOff val="40000"/>
+                  </a:schemeClr>
+                </a:solidFill>
+                <a:hlinkClick r:id="rId10"/>
               </a:rPr>
               <a:t>advisory</a:t>
             </a:r>
@@ -6294,7 +6316,7 @@
           <p:cNvPr id="2" name="标题 1">
             <a:extLst>
               <a:ext uri="{FF2B5EF4-FFF2-40B4-BE49-F238E27FC236}">
-                <a16:creationId xmlns:a16="http://schemas.microsoft.com/office/drawing/2014/main" id="{0B62B771-FFB8-4357-ABEF-9E5564F2DCD2}"/>
+                <a16:creationId xmlns:a16="http://schemas.microsoft.com/office/drawing/2014/main" id="{A7501975-B4A9-4A68-83A1-D92657BFE80B}"/>
               </a:ext>
             </a:extLst>
           </p:cNvPr>
@@ -6307,9 +6329,7 @@
         </p:nvSpPr>
         <p:spPr/>
         <p:txBody>
-          <a:bodyPr rtlCol="0">
-            <a:normAutofit/>
-          </a:bodyPr>
+          <a:bodyPr rtlCol="0"/>
           <a:lstStyle/>
           <a:p>
             <a:pPr rtl="0"/>
@@ -6318,7 +6338,7 @@
                 <a:latin typeface="Microsoft YaHei UI Light" panose="020B0502040204020203" pitchFamily="34" charset="-122"/>
                 <a:ea typeface="Microsoft YaHei UI Light" panose="020B0502040204020203" pitchFamily="34" charset="-122"/>
               </a:rPr>
-              <a:t>使用新 </a:t>
+              <a:t>没有 </a:t>
             </a:r>
             <a:r>
               <a:rPr lang="en-US" altLang="zh-CN" noProof="1">
@@ -6332,336 +6352,144 @@
                 <a:latin typeface="Microsoft YaHei UI Light" panose="020B0502040204020203" pitchFamily="34" charset="-122"/>
                 <a:ea typeface="Microsoft YaHei UI Light" panose="020B0502040204020203" pitchFamily="34" charset="-122"/>
               </a:rPr>
-              <a:t>动画对模型进行动画处理</a:t>
-            </a:r>
-          </a:p>
-        </p:txBody>
-      </p:sp>
-      <p:sp>
-        <p:nvSpPr>
-          <p:cNvPr id="3" name="文本占位符 6">
-            <a:extLst>
-              <a:ext uri="{FF2B5EF4-FFF2-40B4-BE49-F238E27FC236}">
-                <a16:creationId xmlns:a16="http://schemas.microsoft.com/office/drawing/2014/main" id="{432AE141-610C-472F-8B5D-0ED5A7D323AD}"/>
-              </a:ext>
-            </a:extLst>
-          </p:cNvPr>
-          <p:cNvSpPr txBox="1">
-            <a:spLocks/>
-          </p:cNvSpPr>
-          <p:nvPr/>
+              <a:t>模型？没问题！</a:t>
+            </a:r>
+          </a:p>
+        </p:txBody>
+      </p:sp>
+      <p:sp>
+        <p:nvSpPr>
+          <p:cNvPr id="4" name="内容占位符 3">
+            <a:extLst>
+              <a:ext uri="{FF2B5EF4-FFF2-40B4-BE49-F238E27FC236}">
+                <a16:creationId xmlns:a16="http://schemas.microsoft.com/office/drawing/2014/main" id="{6BE5F603-2B71-4C5E-8DBF-0F00C95C57E3}"/>
+              </a:ext>
+            </a:extLst>
+          </p:cNvPr>
+          <p:cNvSpPr>
+            <a:spLocks noGrp="1"/>
+          </p:cNvSpPr>
+          <p:nvPr>
+            <p:ph sz="quarter" idx="14"/>
+          </p:nvPr>
         </p:nvSpPr>
         <p:spPr>
           <a:xfrm>
-            <a:off x="533399" y="1323900"/>
-            <a:ext cx="2730501" cy="302521"/>
+            <a:off x="682668" y="2122487"/>
+            <a:ext cx="10671132" cy="4370387"/>
           </a:xfrm>
-          <a:prstGeom prst="rect">
-            <a:avLst/>
-          </a:prstGeom>
         </p:spPr>
         <p:txBody>
-          <a:bodyPr lIns="0" tIns="0" rIns="0" bIns="0" rtlCol="0">
-            <a:noAutofit/>
-          </a:bodyPr>
-          <a:lstStyle>
-            <a:lvl1pPr marL="0" indent="0" algn="l" defTabSz="914400" rtl="0" eaLnBrk="1" latinLnBrk="0" hangingPunct="1">
-              <a:lnSpc>
-                <a:spcPct val="150000"/>
-              </a:lnSpc>
-              <a:spcBef>
-                <a:spcPts val="1000"/>
-              </a:spcBef>
-              <a:spcAft>
-                <a:spcPts val="1200"/>
-              </a:spcAft>
-              <a:buFontTx/>
-              <a:buNone/>
-              <a:defRPr lang="en-US" sz="1200" kern="1200" dirty="0">
-                <a:solidFill>
-                  <a:schemeClr val="tx1"/>
-                </a:solidFill>
-                <a:latin typeface="+mn-lt"/>
-                <a:ea typeface="+mn-ea"/>
-                <a:cs typeface="+mn-cs"/>
-              </a:defRPr>
-            </a:lvl1pPr>
-            <a:lvl2pPr marL="228600" indent="-228600" algn="l" defTabSz="914400" rtl="0" eaLnBrk="1" latinLnBrk="0" hangingPunct="1">
-              <a:lnSpc>
-                <a:spcPct val="150000"/>
-              </a:lnSpc>
-              <a:spcBef>
-                <a:spcPts val="1000"/>
-              </a:spcBef>
-              <a:spcAft>
-                <a:spcPts val="1200"/>
-              </a:spcAft>
-              <a:buFont typeface="Arial" panose="020B0604020202020204" pitchFamily="34" charset="0"/>
-              <a:buChar char="•"/>
-              <a:defRPr lang="en-US" sz="1200" kern="1200" dirty="0">
-                <a:solidFill>
-                  <a:schemeClr val="tx1"/>
-                </a:solidFill>
-                <a:latin typeface="+mn-lt"/>
-                <a:ea typeface="+mn-ea"/>
-                <a:cs typeface="+mn-cs"/>
-              </a:defRPr>
-            </a:lvl2pPr>
-            <a:lvl3pPr marL="685800" indent="-228600" algn="l" defTabSz="914400" rtl="0" eaLnBrk="1" latinLnBrk="0" hangingPunct="1">
-              <a:lnSpc>
-                <a:spcPct val="150000"/>
-              </a:lnSpc>
-              <a:spcBef>
-                <a:spcPts val="1000"/>
-              </a:spcBef>
-              <a:spcAft>
-                <a:spcPts val="1200"/>
-              </a:spcAft>
-              <a:buFont typeface="Arial" panose="020B0604020202020204" pitchFamily="34" charset="0"/>
-              <a:buChar char="•"/>
-              <a:defRPr lang="en-US" sz="1200" kern="1200" dirty="0">
-                <a:solidFill>
-                  <a:schemeClr val="tx1"/>
-                </a:solidFill>
-                <a:latin typeface="+mn-lt"/>
-                <a:ea typeface="+mn-ea"/>
-                <a:cs typeface="+mn-cs"/>
-              </a:defRPr>
-            </a:lvl3pPr>
-            <a:lvl4pPr marL="1143000" indent="-228600" algn="l" defTabSz="914400" rtl="0" eaLnBrk="1" latinLnBrk="0" hangingPunct="1">
-              <a:lnSpc>
-                <a:spcPct val="150000"/>
-              </a:lnSpc>
-              <a:spcBef>
-                <a:spcPts val="1000"/>
-              </a:spcBef>
-              <a:spcAft>
-                <a:spcPts val="1200"/>
-              </a:spcAft>
-              <a:buFont typeface="Arial" panose="020B0604020202020204" pitchFamily="34" charset="0"/>
-              <a:buChar char="•"/>
-              <a:defRPr lang="en-US" sz="1200" kern="1200" dirty="0" smtClean="0">
-                <a:solidFill>
-                  <a:schemeClr val="tx1"/>
-                </a:solidFill>
-                <a:latin typeface="+mn-lt"/>
-                <a:ea typeface="+mn-ea"/>
-                <a:cs typeface="+mn-cs"/>
-              </a:defRPr>
-            </a:lvl4pPr>
-            <a:lvl5pPr marL="1600200" indent="-228600" algn="l" defTabSz="914400" rtl="0" eaLnBrk="1" latinLnBrk="0" hangingPunct="1">
-              <a:lnSpc>
-                <a:spcPct val="150000"/>
-              </a:lnSpc>
-              <a:spcBef>
-                <a:spcPts val="1000"/>
-              </a:spcBef>
-              <a:spcAft>
-                <a:spcPts val="1200"/>
-              </a:spcAft>
-              <a:buFont typeface="Arial" panose="020B0604020202020204" pitchFamily="34" charset="0"/>
-              <a:buChar char="•"/>
-              <a:defRPr lang="en-US" sz="1200" kern="1200" dirty="0" smtClean="0">
-                <a:solidFill>
-                  <a:schemeClr val="tx1"/>
-                </a:solidFill>
-                <a:latin typeface="+mn-lt"/>
-                <a:ea typeface="+mn-ea"/>
-                <a:cs typeface="+mn-cs"/>
-              </a:defRPr>
-            </a:lvl5pPr>
-            <a:lvl6pPr marL="2057400" indent="-228600" algn="l" defTabSz="914400" rtl="0" eaLnBrk="1" latinLnBrk="0" hangingPunct="1">
-              <a:lnSpc>
-                <a:spcPct val="150000"/>
-              </a:lnSpc>
-              <a:spcBef>
-                <a:spcPts val="1000"/>
-              </a:spcBef>
-              <a:spcAft>
-                <a:spcPts val="1200"/>
-              </a:spcAft>
-              <a:buFont typeface="Arial" panose="020B0604020202020204" pitchFamily="34" charset="0"/>
-              <a:buChar char="•"/>
-              <a:defRPr lang="en-US" sz="1200" kern="1200" dirty="0" smtClean="0">
-                <a:solidFill>
-                  <a:schemeClr val="tx1"/>
-                </a:solidFill>
-                <a:latin typeface="+mn-lt"/>
-                <a:ea typeface="+mn-ea"/>
-                <a:cs typeface="+mn-cs"/>
-              </a:defRPr>
-            </a:lvl6pPr>
-            <a:lvl7pPr marL="2514600" indent="-228600" algn="l" defTabSz="914400" rtl="0" eaLnBrk="1" latinLnBrk="0" hangingPunct="1">
-              <a:lnSpc>
-                <a:spcPct val="150000"/>
-              </a:lnSpc>
-              <a:spcBef>
-                <a:spcPts val="1000"/>
-              </a:spcBef>
-              <a:spcAft>
-                <a:spcPts val="1200"/>
-              </a:spcAft>
-              <a:buFont typeface="Arial" panose="020B0604020202020204" pitchFamily="34" charset="0"/>
-              <a:buChar char="•"/>
-              <a:defRPr lang="en-US" sz="1200" kern="1200" dirty="0" smtClean="0">
-                <a:solidFill>
-                  <a:schemeClr val="tx1"/>
-                </a:solidFill>
-                <a:latin typeface="+mn-lt"/>
-                <a:ea typeface="+mn-ea"/>
-                <a:cs typeface="+mn-cs"/>
-              </a:defRPr>
-            </a:lvl7pPr>
-            <a:lvl8pPr marL="2971800" indent="-228600" algn="l" defTabSz="914400" rtl="0" eaLnBrk="1" latinLnBrk="0" hangingPunct="1">
-              <a:lnSpc>
-                <a:spcPct val="150000"/>
-              </a:lnSpc>
-              <a:spcBef>
-                <a:spcPts val="1000"/>
-              </a:spcBef>
-              <a:spcAft>
-                <a:spcPts val="1200"/>
-              </a:spcAft>
-              <a:buFont typeface="Arial" panose="020B0604020202020204" pitchFamily="34" charset="0"/>
-              <a:buChar char="•"/>
-              <a:defRPr lang="en-US" sz="1200" kern="1200" dirty="0" smtClean="0">
-                <a:solidFill>
-                  <a:schemeClr val="tx1"/>
-                </a:solidFill>
-                <a:latin typeface="+mn-lt"/>
-                <a:ea typeface="+mn-ea"/>
-                <a:cs typeface="+mn-cs"/>
-              </a:defRPr>
-            </a:lvl8pPr>
-            <a:lvl9pPr marL="3429000" indent="-228600" algn="l" defTabSz="914400" rtl="0" eaLnBrk="1" latinLnBrk="0" hangingPunct="1">
-              <a:lnSpc>
-                <a:spcPct val="90000"/>
-              </a:lnSpc>
-              <a:spcBef>
-                <a:spcPct val="30000"/>
-              </a:spcBef>
-              <a:buFont typeface="Arial" panose="020B0604020202020204" pitchFamily="34" charset="0"/>
-              <a:buNone/>
-              <a:defRPr sz="1200" kern="1200">
-                <a:solidFill>
-                  <a:schemeClr val="tx1"/>
-                </a:solidFill>
-                <a:latin typeface="+mn-lt"/>
-                <a:ea typeface="+mn-ea"/>
-                <a:cs typeface="+mn-cs"/>
-              </a:defRPr>
-            </a:lvl9pPr>
-          </a:lstStyle>
-          <a:p>
-            <a:pPr rtl="0">
-              <a:lnSpc>
-                <a:spcPct val="100000"/>
-              </a:lnSpc>
-            </a:pPr>
-            <a:r>
-              <a:rPr lang="en-US" altLang="zh-CN" sz="1800" b="1" noProof="1">
-                <a:solidFill>
-                  <a:schemeClr val="bg1"/>
-                </a:solidFill>
-                <a:latin typeface="Microsoft YaHei UI" panose="020B0503020204020204" pitchFamily="34" charset="-122"/>
-                <a:ea typeface="Microsoft YaHei UI" panose="020B0503020204020204" pitchFamily="34" charset="-122"/>
-              </a:rPr>
-              <a:t>3D </a:t>
-            </a:r>
-            <a:r>
-              <a:rPr lang="zh-CN" altLang="en-US" sz="1800" b="1" noProof="1">
-                <a:solidFill>
-                  <a:schemeClr val="bg1"/>
-                </a:solidFill>
-                <a:latin typeface="Microsoft YaHei UI" panose="020B0503020204020204" pitchFamily="34" charset="-122"/>
-                <a:ea typeface="Microsoft YaHei UI" panose="020B0503020204020204" pitchFamily="34" charset="-122"/>
-              </a:rPr>
-              <a:t>动画</a:t>
-            </a:r>
-          </a:p>
-        </p:txBody>
-      </p:sp>
-      <p:sp>
-        <p:nvSpPr>
-          <p:cNvPr id="16" name="文本框 15">
-            <a:extLst>
-              <a:ext uri="{FF2B5EF4-FFF2-40B4-BE49-F238E27FC236}">
-                <a16:creationId xmlns:a16="http://schemas.microsoft.com/office/drawing/2014/main" id="{427A9E5B-7D62-31CD-A334-1423F0A8ED40}"/>
-              </a:ext>
-            </a:extLst>
-          </p:cNvPr>
-          <p:cNvSpPr txBox="1"/>
-          <p:nvPr/>
-        </p:nvSpPr>
-        <p:spPr>
-          <a:xfrm>
-            <a:off x="1108553" y="2302099"/>
-            <a:ext cx="9256735" cy="3674980"/>
-          </a:xfrm>
-          <a:prstGeom prst="rect">
-            <a:avLst/>
-          </a:prstGeom>
-          <a:noFill/>
-        </p:spPr>
-        <p:txBody>
-          <a:bodyPr wrap="square">
-            <a:spAutoFit/>
+          <a:bodyPr rtlCol="0">
+            <a:normAutofit lnSpcReduction="10000"/>
           </a:bodyPr>
           <a:lstStyle/>
           <a:p>
-            <a:pPr>
+            <a:pPr marL="0" lvl="1" indent="0" rtl="0">
               <a:lnSpc>
                 <a:spcPct val="200000"/>
               </a:lnSpc>
+              <a:buNone/>
             </a:pPr>
-            <a:r>
-              <a:rPr lang="en-US" altLang="zh-CN" noProof="1"/>
-              <a:t> </a:t>
-            </a:r>
             <a:r>
               <a:rPr lang="en-US" altLang="zh-CN" sz="2400" b="1" noProof="1">
                 <a:solidFill>
                   <a:schemeClr val="accent1"/>
                 </a:solidFill>
-                <a:latin typeface="Microsoft YaHei UI" panose="020B0503020204020204" pitchFamily="34" charset="-122"/>
-                <a:ea typeface="Microsoft YaHei UI" panose="020B0503020204020204" pitchFamily="34" charset="-122"/>
               </a:rPr>
-              <a:t>“I didn‘t know which words I needed to learn,” he said. “Finally, just to start some kind of action, 1 began copying.” In his</a:t>
-            </a:r>
-            <a:r>
-              <a:rPr lang="zh-CN" altLang="en-US" sz="2400" b="1" noProof="1">
+              <a:t>He even copied the </a:t>
+            </a:r>
+            <a:r>
+              <a:rPr lang="en-US" altLang="zh-CN" sz="2400" b="1" noProof="1">
                 <a:solidFill>
-                  <a:schemeClr val="accent1"/>
+                  <a:schemeClr val="accent1">
+                    <a:lumMod val="60000"/>
+                    <a:lumOff val="40000"/>
+                  </a:schemeClr>
                 </a:solidFill>
-                <a:latin typeface="Microsoft YaHei UI" panose="020B0503020204020204" pitchFamily="34" charset="-122"/>
-                <a:ea typeface="Microsoft YaHei UI" panose="020B0503020204020204" pitchFamily="34" charset="-122"/>
+                <a:hlinkClick r:id="rId3"/>
               </a:rPr>
-              <a:t> </a:t>
+              <a:t>quotation</a:t>
             </a:r>
             <a:r>
               <a:rPr lang="en-US" altLang="zh-CN" sz="2400" b="1" noProof="1">
                 <a:solidFill>
                   <a:schemeClr val="accent1"/>
                 </a:solidFill>
-                <a:latin typeface="Microsoft YaHei UI" panose="020B0503020204020204" pitchFamily="34" charset="-122"/>
-                <a:ea typeface="Microsoft YaHei UI" panose="020B0503020204020204" pitchFamily="34" charset="-122"/>
               </a:rPr>
-              <a:t>slow, careful, and crude handwriting, Malcolm X copied everything on the first full page of the dictionary into a notebook</a:t>
-            </a:r>
-            <a:endParaRPr lang="zh-CN" altLang="en-US" sz="2400" b="1" dirty="0">
+              <a:t> marks! This took him one full day.After that, he read everything he had written aloud. "Over and over, aloud, to myself, I read my own handwriting," Malcolm recalled. He also </a:t>
+            </a:r>
+            <a:r>
+              <a:rPr lang="en-US" altLang="zh-CN" sz="2400" b="1" noProof="1">
+                <a:solidFill>
+                  <a:schemeClr val="accent1">
+                    <a:lumMod val="60000"/>
+                    <a:lumOff val="40000"/>
+                  </a:schemeClr>
+                </a:solidFill>
+                <a:hlinkClick r:id="rId4"/>
+              </a:rPr>
+              <a:t>logged</a:t>
+            </a:r>
+            <a:r>
+              <a:rPr lang="en-US" altLang="zh-CN" sz="2400" b="1" noProof="1">
+                <a:solidFill>
+                  <a:schemeClr val="accent1"/>
+                </a:solidFill>
+              </a:rPr>
+              <a:t> important things that happened every day. </a:t>
+            </a:r>
+            <a:r>
+              <a:rPr lang="en-US" altLang="zh-CN" sz="2400" b="1" noProof="1">
+                <a:solidFill>
+                  <a:schemeClr val="accent1">
+                    <a:lumMod val="60000"/>
+                    <a:lumOff val="40000"/>
+                  </a:schemeClr>
+                </a:solidFill>
+                <a:hlinkClick r:id="rId5"/>
+              </a:rPr>
+              <a:t>Repetition</a:t>
+            </a:r>
+            <a:r>
+              <a:rPr lang="en-US" altLang="zh-CN" sz="2400" b="1" noProof="1">
+                <a:solidFill>
+                  <a:schemeClr val="accent1"/>
+                </a:solidFill>
+              </a:rPr>
+              <a:t> helped move him from basic literacy toward true </a:t>
+            </a:r>
+            <a:r>
+              <a:rPr lang="en-US" altLang="zh-CN" sz="2400" b="1" noProof="1">
+                <a:solidFill>
+                  <a:schemeClr val="accent1">
+                    <a:lumMod val="60000"/>
+                    <a:lumOff val="40000"/>
+                  </a:schemeClr>
+                </a:solidFill>
+                <a:hlinkClick r:id="rId6"/>
+              </a:rPr>
+              <a:t>proficiency</a:t>
+            </a:r>
+            <a:endParaRPr lang="zh-CN" altLang="en-US" sz="2400" b="1" noProof="1">
               <a:solidFill>
-                <a:schemeClr val="accent1"/>
+                <a:schemeClr val="accent1">
+                  <a:lumMod val="60000"/>
+                  <a:lumOff val="40000"/>
+                </a:schemeClr>
               </a:solidFill>
-              <a:latin typeface="Microsoft YaHei UI" panose="020B0503020204020204" pitchFamily="34" charset="-122"/>
-              <a:ea typeface="Microsoft YaHei UI" panose="020B0503020204020204" pitchFamily="34" charset="-122"/>
             </a:endParaRPr>
+          </a:p>
+          <a:p>
+            <a:pPr lvl="1" rtl="0"/>
+            <a:endParaRPr lang="zh-CN" altLang="en-US" noProof="1"/>
           </a:p>
         </p:txBody>
       </p:sp>
     </p:spTree>
     <p:extLst>
       <p:ext uri="{BB962C8B-B14F-4D97-AF65-F5344CB8AC3E}">
-        <p14:creationId xmlns:p14="http://schemas.microsoft.com/office/powerpoint/2010/main" val="2726873564"/>
+        <p14:creationId xmlns:p14="http://schemas.microsoft.com/office/powerpoint/2010/main" val="454600627"/>
       </p:ext>
     </p:extLst>
   </p:cSld>
@@ -6758,7 +6586,7 @@
         </p:spPr>
         <p:txBody>
           <a:bodyPr rtlCol="0">
-            <a:normAutofit lnSpcReduction="10000"/>
+            <a:normAutofit/>
           </a:bodyPr>
           <a:lstStyle/>
           <a:p>
@@ -6774,7 +6602,7 @@
                   <a:schemeClr val="accent1"/>
                 </a:solidFill>
               </a:rPr>
-              <a:t>He even copied the </a:t>
+              <a:t>Malcolm X </a:t>
             </a:r>
             <a:r>
               <a:rPr lang="en-US" altLang="zh-CN" sz="2400" b="1" noProof="1">
@@ -6784,9 +6612,15 @@
                     <a:lumOff val="40000"/>
                   </a:schemeClr>
                 </a:solidFill>
-                <a:hlinkClick r:id="rId3"/>
+                <a:hlinkClick r:id="rId3">
+                  <a:extLst>
+                    <a:ext uri="{A12FA001-AC4F-418D-AE19-62706E023703}">
+                      <ahyp:hlinkClr xmlns:ahyp="http://schemas.microsoft.com/office/drawing/2018/hyperlinkcolor" val="tx"/>
+                    </a:ext>
+                  </a:extLst>
+                </a:hlinkClick>
               </a:rPr>
-              <a:t>quotation</a:t>
+              <a:t>depicted</a:t>
             </a:r>
             <a:r>
               <a:rPr lang="en-US" altLang="zh-CN" sz="2400" b="1" noProof="1">
@@ -6794,7 +6628,7 @@
                   <a:schemeClr val="accent1"/>
                 </a:solidFill>
               </a:rPr>
-              <a:t> marks! This took him one full day.After that, he read everything he had written aloud. "Over and over, aloud, to myself, I read my own handwriting," Malcolm recalled. He also </a:t>
+              <a:t> how, the next morning when he woke up, he kept thinking about the words he had copied and read aloud and about the </a:t>
             </a:r>
             <a:r>
               <a:rPr lang="en-US" altLang="zh-CN" sz="2400" b="1" noProof="1">
@@ -6806,7 +6640,7 @@
                 </a:solidFill>
                 <a:hlinkClick r:id="rId4"/>
               </a:rPr>
-              <a:t>logged</a:t>
+              <a:t>acquisition</a:t>
             </a:r>
             <a:r>
               <a:rPr lang="en-US" altLang="zh-CN" sz="2400" b="1" noProof="1">
@@ -6814,7 +6648,7 @@
                   <a:schemeClr val="accent1"/>
                 </a:solidFill>
               </a:rPr>
-              <a:t> important things that happened every day. </a:t>
+              <a:t> of the knowledge he was </a:t>
             </a:r>
             <a:r>
               <a:rPr lang="en-US" altLang="zh-CN" sz="2400" b="1" noProof="1">
@@ -6826,7 +6660,7 @@
                 </a:solidFill>
                 <a:hlinkClick r:id="rId5"/>
               </a:rPr>
-              <a:t>Repetition</a:t>
+              <a:t>pursuing</a:t>
             </a:r>
             <a:r>
               <a:rPr lang="en-US" altLang="zh-CN" sz="2400" b="1" noProof="1">
@@ -6834,7 +6668,7 @@
                   <a:schemeClr val="accent1"/>
                 </a:solidFill>
               </a:rPr>
-              <a:t> helped move him from basic literacy toward true </a:t>
+              <a:t>. It was a </a:t>
             </a:r>
             <a:r>
               <a:rPr lang="en-US" altLang="zh-CN" sz="2400" b="1" noProof="1">
@@ -6846,19 +6680,36 @@
                 </a:solidFill>
                 <a:hlinkClick r:id="rId6"/>
               </a:rPr>
-              <a:t>proficiency</a:t>
-            </a:r>
-            <a:endParaRPr lang="zh-CN" altLang="en-US" sz="2400" b="1" noProof="1">
-              <a:solidFill>
-                <a:schemeClr val="accent1">
-                  <a:lumMod val="60000"/>
-                  <a:lumOff val="40000"/>
-                </a:schemeClr>
-              </a:solidFill>
-            </a:endParaRPr>
-          </a:p>
-          <a:p>
-            <a:pPr lvl="1" rtl="0"/>
+              <a:t>marvellous</a:t>
+            </a:r>
+            <a:r>
+              <a:rPr lang="en-US" altLang="zh-CN" sz="2400" b="1" noProof="1">
+                <a:solidFill>
+                  <a:schemeClr val="accent1"/>
+                </a:solidFill>
+              </a:rPr>
+              <a:t> feeling. He felt </a:t>
+            </a:r>
+            <a:r>
+              <a:rPr lang="en-US" altLang="zh-CN" sz="2400" b="1" noProof="1">
+                <a:solidFill>
+                  <a:schemeClr val="accent1">
+                    <a:lumMod val="60000"/>
+                    <a:lumOff val="40000"/>
+                  </a:schemeClr>
+                </a:solidFill>
+                <a:hlinkClick r:id="rId7"/>
+              </a:rPr>
+              <a:t>immensely</a:t>
+            </a:r>
+            <a:r>
+              <a:rPr lang="en-US" altLang="zh-CN" sz="2400" b="1" noProof="1">
+                <a:solidFill>
+                  <a:schemeClr val="accent1"/>
+                </a:solidFill>
+              </a:rPr>
+              <a:t> proud.</a:t>
+            </a:r>
             <a:endParaRPr lang="zh-CN" altLang="en-US" noProof="1"/>
           </a:p>
         </p:txBody>
@@ -6866,7 +6717,7 @@
     </p:spTree>
     <p:extLst>
       <p:ext uri="{BB962C8B-B14F-4D97-AF65-F5344CB8AC3E}">
-        <p14:creationId xmlns:p14="http://schemas.microsoft.com/office/powerpoint/2010/main" val="454600627"/>
+        <p14:creationId xmlns:p14="http://schemas.microsoft.com/office/powerpoint/2010/main" val="2661253804"/>
       </p:ext>
     </p:extLst>
   </p:cSld>
@@ -7738,24 +7589,6 @@
 </file>
 
 <file path=customXml/item1.xml><?xml version="1.0" encoding="utf-8"?>
-<?mso-contentType ?>
-<FormTemplates xmlns="http://schemas.microsoft.com/sharepoint/v3/contenttype/forms">
-  <Display>DocumentLibraryForm</Display>
-  <Edit>DocumentLibraryForm</Edit>
-  <New>DocumentLibraryForm</New>
-</FormTemplates>
-</file>
-
-<file path=customXml/item2.xml><?xml version="1.0" encoding="utf-8"?>
-<p:properties xmlns:p="http://schemas.microsoft.com/office/2006/metadata/properties" xmlns:xsi="http://www.w3.org/2001/XMLSchema-instance" xmlns:pc="http://schemas.microsoft.com/office/infopath/2007/PartnerControls">
-  <documentManagement>
-    <MediaServiceKeyPoints xmlns="71af3243-3dd4-4a8d-8c0d-dd76da1f02a5" xsi:nil="true"/>
-    <Status xmlns="71af3243-3dd4-4a8d-8c0d-dd76da1f02a5">Not started</Status>
-  </documentManagement>
-</p:properties>
-</file>
-
-<file path=customXml/item3.xml><?xml version="1.0" encoding="utf-8"?>
 <ct:contentTypeSchema xmlns:ct="http://schemas.microsoft.com/office/2006/metadata/contentType" xmlns:ma="http://schemas.microsoft.com/office/2006/metadata/properties/metaAttributes" ct:_="" ma:_="" ma:contentTypeName="Document" ma:contentTypeID="0x01010079F111ED35F8CC479449609E8A0923A6" ma:contentTypeVersion="12" ma:contentTypeDescription="Create a new document." ma:contentTypeScope="" ma:versionID="6e0ed944f324437a1628d920c25a1c7c">
   <xsd:schema xmlns:xsd="http://www.w3.org/2001/XMLSchema" xmlns:xs="http://www.w3.org/2001/XMLSchema" xmlns:p="http://schemas.microsoft.com/office/2006/metadata/properties" xmlns:ns2="71af3243-3dd4-4a8d-8c0d-dd76da1f02a5" xmlns:ns3="16c05727-aa75-4e4a-9b5f-8a80a1165891" targetNamespace="http://schemas.microsoft.com/office/2006/metadata/properties" ma:root="true" ma:fieldsID="edbd56de57fb331bd1e5e8af7e1d85f1" ns2:_="" ns3:_="">
     <xsd:import namespace="71af3243-3dd4-4a8d-8c0d-dd76da1f02a5"/>
@@ -7976,25 +7809,25 @@
 </ct:contentTypeSchema>
 </file>
 
-<file path=customXml/itemProps1.xml><?xml version="1.0" encoding="utf-8"?>
-<ds:datastoreItem xmlns:ds="http://schemas.openxmlformats.org/officeDocument/2006/customXml" ds:itemID="{DD1E4E54-D823-4696-BBE2-5A8AE79AD477}">
-  <ds:schemaRefs>
-    <ds:schemaRef ds:uri="http://schemas.microsoft.com/sharepoint/v3/contenttype/forms"/>
-  </ds:schemaRefs>
-</ds:datastoreItem>
+<file path=customXml/item2.xml><?xml version="1.0" encoding="utf-8"?>
+<p:properties xmlns:p="http://schemas.microsoft.com/office/2006/metadata/properties" xmlns:xsi="http://www.w3.org/2001/XMLSchema-instance" xmlns:pc="http://schemas.microsoft.com/office/infopath/2007/PartnerControls">
+  <documentManagement>
+    <MediaServiceKeyPoints xmlns="71af3243-3dd4-4a8d-8c0d-dd76da1f02a5" xsi:nil="true"/>
+    <Status xmlns="71af3243-3dd4-4a8d-8c0d-dd76da1f02a5">Not started</Status>
+  </documentManagement>
+</p:properties>
 </file>
 
-<file path=customXml/itemProps2.xml><?xml version="1.0" encoding="utf-8"?>
-<ds:datastoreItem xmlns:ds="http://schemas.openxmlformats.org/officeDocument/2006/customXml" ds:itemID="{6E89E9E9-CE08-455B-9B22-675497F5CD59}">
-  <ds:schemaRefs>
-    <ds:schemaRef ds:uri="http://schemas.microsoft.com/office/2006/metadata/properties"/>
-    <ds:schemaRef ds:uri="http://schemas.microsoft.com/office/infopath/2007/PartnerControls"/>
-    <ds:schemaRef ds:uri="71af3243-3dd4-4a8d-8c0d-dd76da1f02a5"/>
-  </ds:schemaRefs>
-</ds:datastoreItem>
+<file path=customXml/item3.xml><?xml version="1.0" encoding="utf-8"?>
+<?mso-contentType ?>
+<FormTemplates xmlns="http://schemas.microsoft.com/sharepoint/v3/contenttype/forms">
+  <Display>DocumentLibraryForm</Display>
+  <Edit>DocumentLibraryForm</Edit>
+  <New>DocumentLibraryForm</New>
+</FormTemplates>
 </file>
 
-<file path=customXml/itemProps3.xml><?xml version="1.0" encoding="utf-8"?>
+<file path=customXml/itemProps1.xml><?xml version="1.0" encoding="utf-8"?>
 <ds:datastoreItem xmlns:ds="http://schemas.openxmlformats.org/officeDocument/2006/customXml" ds:itemID="{47449C20-468D-43AC-BAA9-5AF10C1B7F45}">
   <ds:schemaRefs>
     <ds:schemaRef ds:uri="http://schemas.microsoft.com/office/2006/metadata/contentType"/>
@@ -8011,4 +7844,22 @@
     <ds:schemaRef ds:uri="http://schemas.microsoft.com/internal/obd"/>
   </ds:schemaRefs>
 </ds:datastoreItem>
+</file>
+
+<file path=customXml/itemProps2.xml><?xml version="1.0" encoding="utf-8"?>
+<ds:datastoreItem xmlns:ds="http://schemas.openxmlformats.org/officeDocument/2006/customXml" ds:itemID="{6E89E9E9-CE08-455B-9B22-675497F5CD59}">
+  <ds:schemaRefs>
+    <ds:schemaRef ds:uri="http://schemas.microsoft.com/office/2006/metadata/properties"/>
+    <ds:schemaRef ds:uri="http://schemas.microsoft.com/office/infopath/2007/PartnerControls"/>
+    <ds:schemaRef ds:uri="71af3243-3dd4-4a8d-8c0d-dd76da1f02a5"/>
+  </ds:schemaRefs>
+</ds:datastoreItem>
+</file>
+
+<file path=customXml/itemProps3.xml><?xml version="1.0" encoding="utf-8"?>
+<ds:datastoreItem xmlns:ds="http://schemas.openxmlformats.org/officeDocument/2006/customXml" ds:itemID="{DD1E4E54-D823-4696-BBE2-5A8AE79AD477}">
+  <ds:schemaRefs>
+    <ds:schemaRef ds:uri="http://schemas.microsoft.com/sharepoint/v3/contenttype/forms"/>
+  </ds:schemaRefs>
+</ds:datastoreItem>
 </file>